--- a/Abgabe 3/Präsentation.pptx
+++ b/Abgabe 3/Präsentation.pptx
@@ -5,7 +5,7 @@
     <p:sldMasterId id="2147483671" r:id="rId1"/>
   </p:sldMasterIdLst>
   <p:notesMasterIdLst>
-    <p:notesMasterId r:id="rId33"/>
+    <p:notesMasterId r:id="rId34"/>
   </p:notesMasterIdLst>
   <p:sldIdLst>
     <p:sldId id="256" r:id="rId2"/>
@@ -39,6 +39,7 @@
     <p:sldId id="284" r:id="rId30"/>
     <p:sldId id="285" r:id="rId31"/>
     <p:sldId id="259" r:id="rId32"/>
+    <p:sldId id="292" r:id="rId33"/>
   </p:sldIdLst>
   <p:sldSz cx="12192000" cy="6858000"/>
   <p:notesSz cx="6858000" cy="9144000"/>
@@ -227,7 +228,7 @@
           <a:p>
             <a:fld id="{E7F932BB-9E2F-4EB3-BBA9-455687B1B27A}" type="datetimeFigureOut">
               <a:rPr lang="de-DE"/>
-              <a:t>07.07.2019</a:t>
+              <a:t>08.07.2019</a:t>
             </a:fld>
             <a:endParaRPr lang="de-DE"/>
           </a:p>
@@ -385,7 +386,7 @@
           <a:p>
             <a:fld id="{F580F34E-81B7-4190-A5EB-95B28EF459AE}" type="slidenum">
               <a:rPr lang="de-DE"/>
-              <a:t>‹#›</a:t>
+              <a:t>‹Nr.›</a:t>
             </a:fld>
             <a:endParaRPr lang="de-DE"/>
           </a:p>
@@ -823,7 +824,7 @@
           <a:p>
             <a:fld id="{4AAD347D-5ACD-4C99-B74B-A9C85AD731AF}" type="datetimeFigureOut">
               <a:rPr lang="en-US" smtClean="0"/>
-              <a:t>7/7/2019</a:t>
+              <a:t>7/8/2019</a:t>
             </a:fld>
             <a:endParaRPr lang="en-US"/>
           </a:p>
@@ -865,7 +866,7 @@
           <a:p>
             <a:fld id="{D57F1E4F-1CFF-5643-939E-02111984F565}" type="slidenum">
               <a:rPr lang="en-US" smtClean="0"/>
-              <a:t>‹#›</a:t>
+              <a:t>‹Nr.›</a:t>
             </a:fld>
             <a:endParaRPr lang="en-US"/>
           </a:p>
@@ -1098,7 +1099,7 @@
           <a:p>
             <a:fld id="{4509A250-FF31-4206-8172-F9D3106AACB1}" type="datetimeFigureOut">
               <a:rPr lang="en-US" smtClean="0"/>
-              <a:t>7/7/2019</a:t>
+              <a:t>7/8/2019</a:t>
             </a:fld>
             <a:endParaRPr lang="en-US"/>
           </a:p>
@@ -1140,7 +1141,7 @@
           <a:p>
             <a:fld id="{D57F1E4F-1CFF-5643-939E-02111984F565}" type="slidenum">
               <a:rPr lang="en-US" smtClean="0"/>
-              <a:t>‹#›</a:t>
+              <a:t>‹Nr.›</a:t>
             </a:fld>
             <a:endParaRPr lang="en-US"/>
           </a:p>
@@ -1292,7 +1293,7 @@
           <a:p>
             <a:fld id="{4509A250-FF31-4206-8172-F9D3106AACB1}" type="datetimeFigureOut">
               <a:rPr lang="en-US" smtClean="0"/>
-              <a:t>7/7/2019</a:t>
+              <a:t>7/8/2019</a:t>
             </a:fld>
             <a:endParaRPr lang="en-US"/>
           </a:p>
@@ -1334,7 +1335,7 @@
           <a:p>
             <a:fld id="{D57F1E4F-1CFF-5643-939E-02111984F565}" type="slidenum">
               <a:rPr lang="en-US" smtClean="0"/>
-              <a:t>‹#›</a:t>
+              <a:t>‹Nr.›</a:t>
             </a:fld>
             <a:endParaRPr lang="en-US"/>
           </a:p>
@@ -1560,7 +1561,7 @@
           <a:p>
             <a:fld id="{4509A250-FF31-4206-8172-F9D3106AACB1}" type="datetimeFigureOut">
               <a:rPr lang="en-US" smtClean="0"/>
-              <a:t>7/7/2019</a:t>
+              <a:t>7/8/2019</a:t>
             </a:fld>
             <a:endParaRPr lang="en-US"/>
           </a:p>
@@ -1602,7 +1603,7 @@
           <a:p>
             <a:fld id="{D57F1E4F-1CFF-5643-939E-02111984F565}" type="slidenum">
               <a:rPr lang="en-US" smtClean="0"/>
-              <a:t>‹#›</a:t>
+              <a:t>‹Nr.›</a:t>
             </a:fld>
             <a:endParaRPr lang="en-US"/>
           </a:p>
@@ -1892,7 +1893,7 @@
           <a:p>
             <a:fld id="{4509A250-FF31-4206-8172-F9D3106AACB1}" type="datetimeFigureOut">
               <a:rPr lang="en-US" smtClean="0"/>
-              <a:t>7/7/2019</a:t>
+              <a:t>7/8/2019</a:t>
             </a:fld>
             <a:endParaRPr lang="en-US"/>
           </a:p>
@@ -1934,7 +1935,7 @@
           <a:p>
             <a:fld id="{D57F1E4F-1CFF-5643-939E-02111984F565}" type="slidenum">
               <a:rPr lang="en-US" smtClean="0"/>
-              <a:t>‹#›</a:t>
+              <a:t>‹Nr.›</a:t>
             </a:fld>
             <a:endParaRPr lang="en-US"/>
           </a:p>
@@ -2502,7 +2503,7 @@
           <a:p>
             <a:fld id="{4509A250-FF31-4206-8172-F9D3106AACB1}" type="datetimeFigureOut">
               <a:rPr lang="en-US" smtClean="0"/>
-              <a:t>7/7/2019</a:t>
+              <a:t>7/8/2019</a:t>
             </a:fld>
             <a:endParaRPr lang="en-US"/>
           </a:p>
@@ -2544,7 +2545,7 @@
           <a:p>
             <a:fld id="{D57F1E4F-1CFF-5643-939E-02111984F565}" type="slidenum">
               <a:rPr lang="en-US" smtClean="0"/>
-              <a:t>‹#›</a:t>
+              <a:t>‹Nr.›</a:t>
             </a:fld>
             <a:endParaRPr lang="en-US"/>
           </a:p>
@@ -3349,7 +3350,7 @@
           <a:p>
             <a:fld id="{4509A250-FF31-4206-8172-F9D3106AACB1}" type="datetimeFigureOut">
               <a:rPr lang="en-US" smtClean="0"/>
-              <a:t>7/7/2019</a:t>
+              <a:t>7/8/2019</a:t>
             </a:fld>
             <a:endParaRPr lang="en-US"/>
           </a:p>
@@ -3391,7 +3392,7 @@
           <a:p>
             <a:fld id="{D57F1E4F-1CFF-5643-939E-02111984F565}" type="slidenum">
               <a:rPr lang="en-US" smtClean="0"/>
-              <a:t>‹#›</a:t>
+              <a:t>‹Nr.›</a:t>
             </a:fld>
             <a:endParaRPr lang="en-US"/>
           </a:p>
@@ -3519,7 +3520,7 @@
           <a:p>
             <a:fld id="{4509A250-FF31-4206-8172-F9D3106AACB1}" type="datetimeFigureOut">
               <a:rPr lang="en-US" smtClean="0"/>
-              <a:t>7/7/2019</a:t>
+              <a:t>7/8/2019</a:t>
             </a:fld>
             <a:endParaRPr lang="en-US"/>
           </a:p>
@@ -3561,7 +3562,7 @@
           <a:p>
             <a:fld id="{D57F1E4F-1CFF-5643-939E-02111984F565}" type="slidenum">
               <a:rPr lang="en-US" smtClean="0"/>
-              <a:t>‹#›</a:t>
+              <a:t>‹Nr.›</a:t>
             </a:fld>
             <a:endParaRPr lang="en-US"/>
           </a:p>
@@ -3699,7 +3700,7 @@
           <a:p>
             <a:fld id="{4509A250-FF31-4206-8172-F9D3106AACB1}" type="datetimeFigureOut">
               <a:rPr lang="en-US" smtClean="0"/>
-              <a:t>7/7/2019</a:t>
+              <a:t>7/8/2019</a:t>
             </a:fld>
             <a:endParaRPr lang="en-US"/>
           </a:p>
@@ -3741,7 +3742,7 @@
           <a:p>
             <a:fld id="{D57F1E4F-1CFF-5643-939E-02111984F565}" type="slidenum">
               <a:rPr lang="en-US" smtClean="0"/>
-              <a:t>‹#›</a:t>
+              <a:t>‹Nr.›</a:t>
             </a:fld>
             <a:endParaRPr lang="en-US"/>
           </a:p>
@@ -3869,7 +3870,7 @@
           <a:p>
             <a:fld id="{4509A250-FF31-4206-8172-F9D3106AACB1}" type="datetimeFigureOut">
               <a:rPr lang="en-US" smtClean="0"/>
-              <a:t>7/7/2019</a:t>
+              <a:t>7/8/2019</a:t>
             </a:fld>
             <a:endParaRPr lang="en-US"/>
           </a:p>
@@ -3911,7 +3912,7 @@
           <a:p>
             <a:fld id="{D57F1E4F-1CFF-5643-939E-02111984F565}" type="slidenum">
               <a:rPr lang="en-US" smtClean="0"/>
-              <a:t>‹#›</a:t>
+              <a:t>‹Nr.›</a:t>
             </a:fld>
             <a:endParaRPr lang="en-US"/>
           </a:p>
@@ -4113,7 +4114,7 @@
           <a:p>
             <a:fld id="{9796027F-7875-4030-9381-8BD8C4F21935}" type="datetimeFigureOut">
               <a:rPr lang="en-US" smtClean="0"/>
-              <a:t>7/7/2019</a:t>
+              <a:t>7/8/2019</a:t>
             </a:fld>
             <a:endParaRPr lang="en-US"/>
           </a:p>
@@ -4155,7 +4156,7 @@
           <a:p>
             <a:fld id="{D57F1E4F-1CFF-5643-939E-02111984F565}" type="slidenum">
               <a:rPr lang="en-US" smtClean="0"/>
-              <a:t>‹#›</a:t>
+              <a:t>‹Nr.›</a:t>
             </a:fld>
             <a:endParaRPr lang="en-US"/>
           </a:p>
@@ -4405,7 +4406,7 @@
           <a:p>
             <a:fld id="{9796027F-7875-4030-9381-8BD8C4F21935}" type="datetimeFigureOut">
               <a:rPr lang="en-US" smtClean="0"/>
-              <a:t>7/7/2019</a:t>
+              <a:t>7/8/2019</a:t>
             </a:fld>
             <a:endParaRPr lang="en-US"/>
           </a:p>
@@ -4447,7 +4448,7 @@
           <a:p>
             <a:fld id="{D57F1E4F-1CFF-5643-939E-02111984F565}" type="slidenum">
               <a:rPr lang="en-US" smtClean="0"/>
-              <a:t>‹#›</a:t>
+              <a:t>‹Nr.›</a:t>
             </a:fld>
             <a:endParaRPr lang="en-US"/>
           </a:p>
@@ -4843,7 +4844,7 @@
           <a:p>
             <a:fld id="{9796027F-7875-4030-9381-8BD8C4F21935}" type="datetimeFigureOut">
               <a:rPr lang="en-US" smtClean="0"/>
-              <a:t>7/7/2019</a:t>
+              <a:t>7/8/2019</a:t>
             </a:fld>
             <a:endParaRPr lang="en-US"/>
           </a:p>
@@ -4885,7 +4886,7 @@
           <a:p>
             <a:fld id="{D57F1E4F-1CFF-5643-939E-02111984F565}" type="slidenum">
               <a:rPr lang="en-US" smtClean="0"/>
-              <a:t>‹#›</a:t>
+              <a:t>‹Nr.›</a:t>
             </a:fld>
             <a:endParaRPr lang="en-US"/>
           </a:p>
@@ -4961,7 +4962,7 @@
           <a:p>
             <a:fld id="{4509A250-FF31-4206-8172-F9D3106AACB1}" type="datetimeFigureOut">
               <a:rPr lang="en-US" smtClean="0"/>
-              <a:t>7/7/2019</a:t>
+              <a:t>7/8/2019</a:t>
             </a:fld>
             <a:endParaRPr lang="en-US"/>
           </a:p>
@@ -5003,7 +5004,7 @@
           <a:p>
             <a:fld id="{D57F1E4F-1CFF-5643-939E-02111984F565}" type="slidenum">
               <a:rPr lang="en-US" smtClean="0"/>
-              <a:t>‹#›</a:t>
+              <a:t>‹Nr.›</a:t>
             </a:fld>
             <a:endParaRPr lang="en-US"/>
           </a:p>
@@ -5056,7 +5057,7 @@
           <a:p>
             <a:fld id="{4509A250-FF31-4206-8172-F9D3106AACB1}" type="datetimeFigureOut">
               <a:rPr lang="en-US" smtClean="0"/>
-              <a:t>7/7/2019</a:t>
+              <a:t>7/8/2019</a:t>
             </a:fld>
             <a:endParaRPr lang="en-US"/>
           </a:p>
@@ -5098,7 +5099,7 @@
           <a:p>
             <a:fld id="{D57F1E4F-1CFF-5643-939E-02111984F565}" type="slidenum">
               <a:rPr lang="en-US" smtClean="0"/>
-              <a:t>‹#›</a:t>
+              <a:t>‹Nr.›</a:t>
             </a:fld>
             <a:endParaRPr lang="en-US"/>
           </a:p>
@@ -5335,7 +5336,7 @@
           <a:p>
             <a:fld id="{4509A250-FF31-4206-8172-F9D3106AACB1}" type="datetimeFigureOut">
               <a:rPr lang="en-US" smtClean="0"/>
-              <a:t>7/7/2019</a:t>
+              <a:t>7/8/2019</a:t>
             </a:fld>
             <a:endParaRPr lang="en-US"/>
           </a:p>
@@ -5377,7 +5378,7 @@
           <a:p>
             <a:fld id="{D57F1E4F-1CFF-5643-939E-02111984F565}" type="slidenum">
               <a:rPr lang="en-US" smtClean="0"/>
-              <a:t>‹#›</a:t>
+              <a:t>‹Nr.›</a:t>
             </a:fld>
             <a:endParaRPr lang="en-US"/>
           </a:p>
@@ -5610,7 +5611,7 @@
           <a:p>
             <a:fld id="{4509A250-FF31-4206-8172-F9D3106AACB1}" type="datetimeFigureOut">
               <a:rPr lang="en-US" smtClean="0"/>
-              <a:t>7/7/2019</a:t>
+              <a:t>7/8/2019</a:t>
             </a:fld>
             <a:endParaRPr lang="en-US"/>
           </a:p>
@@ -5652,7 +5653,7 @@
           <a:p>
             <a:fld id="{D57F1E4F-1CFF-5643-939E-02111984F565}" type="slidenum">
               <a:rPr lang="en-US" smtClean="0"/>
-              <a:t>‹#›</a:t>
+              <a:t>‹Nr.›</a:t>
             </a:fld>
             <a:endParaRPr lang="en-US"/>
           </a:p>
@@ -6039,7 +6040,7 @@
           <a:p>
             <a:fld id="{4AAD347D-5ACD-4C99-B74B-A9C85AD731AF}" type="datetimeFigureOut">
               <a:rPr lang="en-US" smtClean="0"/>
-              <a:t>7/7/2019</a:t>
+              <a:t>7/8/2019</a:t>
             </a:fld>
             <a:endParaRPr lang="en-US"/>
           </a:p>
@@ -6118,7 +6119,7 @@
           <a:p>
             <a:fld id="{D57F1E4F-1CFF-5643-939E-02111984F565}" type="slidenum">
               <a:rPr lang="en-US" smtClean="0"/>
-              <a:t>‹#›</a:t>
+              <a:t>‹Nr.›</a:t>
             </a:fld>
             <a:endParaRPr lang="en-US"/>
           </a:p>
@@ -12492,6 +12493,147 @@
 </p:sld>
 </file>
 
+<file path=ppt/slides/slide32.xml><?xml version="1.0" encoding="utf-8"?>
+<p:sld xmlns:a="http://schemas.openxmlformats.org/drawingml/2006/main" xmlns:r="http://schemas.openxmlformats.org/officeDocument/2006/relationships" xmlns:p="http://schemas.openxmlformats.org/presentationml/2006/main">
+  <p:cSld>
+    <p:spTree>
+      <p:nvGrpSpPr>
+        <p:cNvPr id="1" name=""/>
+        <p:cNvGrpSpPr/>
+        <p:nvPr/>
+      </p:nvGrpSpPr>
+      <p:grpSpPr>
+        <a:xfrm>
+          <a:off x="0" y="0"/>
+          <a:ext cx="0" cy="0"/>
+          <a:chOff x="0" y="0"/>
+          <a:chExt cx="0" cy="0"/>
+        </a:xfrm>
+      </p:grpSpPr>
+      <p:sp>
+        <p:nvSpPr>
+          <p:cNvPr id="2" name="Titel 1">
+            <a:extLst>
+              <a:ext uri="{FF2B5EF4-FFF2-40B4-BE49-F238E27FC236}">
+                <a16:creationId xmlns:a16="http://schemas.microsoft.com/office/drawing/2014/main" id="{672D682A-8E7A-41DA-B6E7-C58A17B4F98E}"/>
+              </a:ext>
+            </a:extLst>
+          </p:cNvPr>
+          <p:cNvSpPr>
+            <a:spLocks noGrp="1"/>
+          </p:cNvSpPr>
+          <p:nvPr>
+            <p:ph type="title"/>
+          </p:nvPr>
+        </p:nvSpPr>
+        <p:spPr>
+          <a:xfrm>
+            <a:off x="646111" y="452718"/>
+            <a:ext cx="2471993" cy="690282"/>
+          </a:xfrm>
+        </p:spPr>
+        <p:txBody>
+          <a:bodyPr/>
+          <a:lstStyle/>
+          <a:p>
+            <a:r>
+              <a:rPr lang="de-DE" dirty="0"/>
+              <a:t>Quellen:</a:t>
+            </a:r>
+          </a:p>
+        </p:txBody>
+      </p:sp>
+      <p:sp>
+        <p:nvSpPr>
+          <p:cNvPr id="3" name="Inhaltsplatzhalter 2">
+            <a:extLst>
+              <a:ext uri="{FF2B5EF4-FFF2-40B4-BE49-F238E27FC236}">
+                <a16:creationId xmlns:a16="http://schemas.microsoft.com/office/drawing/2014/main" id="{FACD8736-1495-4DC2-8898-6B51F7F2F2B7}"/>
+              </a:ext>
+            </a:extLst>
+          </p:cNvPr>
+          <p:cNvSpPr>
+            <a:spLocks noGrp="1"/>
+          </p:cNvSpPr>
+          <p:nvPr>
+            <p:ph idx="1"/>
+          </p:nvPr>
+        </p:nvSpPr>
+        <p:spPr>
+          <a:xfrm>
+            <a:off x="1103312" y="2052919"/>
+            <a:ext cx="8946541" cy="2071025"/>
+          </a:xfrm>
+        </p:spPr>
+        <p:txBody>
+          <a:bodyPr/>
+          <a:lstStyle/>
+          <a:p>
+            <a:r>
+              <a:rPr lang="de-DE" sz="1100" u="sng" dirty="0">
+                <a:hlinkClick r:id="rId2"/>
+              </a:rPr>
+              <a:t>https://entwickler.de/online/web/material-design-173680.html</a:t>
+            </a:r>
+            <a:endParaRPr lang="de-DE" sz="1100" dirty="0"/>
+          </a:p>
+          <a:p>
+            <a:r>
+              <a:rPr lang="de-DE" sz="1100" u="sng" dirty="0">
+                <a:hlinkClick r:id="rId3"/>
+              </a:rPr>
+              <a:t>https://material.io/design/</a:t>
+            </a:r>
+            <a:endParaRPr lang="de-DE" sz="1100" dirty="0"/>
+          </a:p>
+          <a:p>
+            <a:r>
+              <a:rPr lang="de-DE" sz="1100" u="sng" dirty="0">
+                <a:hlinkClick r:id="rId4"/>
+              </a:rPr>
+              <a:t>http://www.anforderungsmanagement.ch/in_depth_vertiefung/funktionale_nicht_funktionale_anforderungen/index.html</a:t>
+            </a:r>
+            <a:endParaRPr lang="de-DE" sz="1100" dirty="0"/>
+          </a:p>
+          <a:p>
+            <a:r>
+              <a:rPr lang="de-DE" sz="1100" u="sng" dirty="0">
+                <a:hlinkClick r:id="rId5"/>
+              </a:rPr>
+              <a:t>https://www.johner-institut.de/blog/iec-62304-medizinische-software/funktionale-und-nicht-funktionale-anforderungen/</a:t>
+            </a:r>
+            <a:endParaRPr lang="de-DE" sz="1100" u="sng" dirty="0"/>
+          </a:p>
+          <a:p>
+            <a:r>
+              <a:rPr lang="de-DE" sz="1100" dirty="0">
+                <a:hlinkClick r:id="rId6"/>
+              </a:rPr>
+              <a:t>https://de.freepik.com/vektoren-kostenlos/leute-die-in-der-parkillustration-des-laufenden-sportsmarathons-des-jungen-mannes-und-der-frau-ruetteln_2890946.htm</a:t>
+            </a:r>
+            <a:endParaRPr lang="de-DE" sz="1100" dirty="0"/>
+          </a:p>
+          <a:p>
+            <a:endParaRPr lang="de-DE" sz="1100" dirty="0"/>
+          </a:p>
+          <a:p>
+            <a:endParaRPr lang="de-DE" dirty="0"/>
+          </a:p>
+        </p:txBody>
+      </p:sp>
+    </p:spTree>
+    <p:extLst>
+      <p:ext uri="{BB962C8B-B14F-4D97-AF65-F5344CB8AC3E}">
+        <p14:creationId xmlns:p14="http://schemas.microsoft.com/office/powerpoint/2010/main" val="463077003"/>
+      </p:ext>
+    </p:extLst>
+  </p:cSld>
+  <p:clrMapOvr>
+    <a:masterClrMapping/>
+  </p:clrMapOvr>
+</p:sld>
+</file>
+
 <file path=ppt/slides/slide4.xml><?xml version="1.0" encoding="utf-8"?>
 <p:sld xmlns:a="http://schemas.openxmlformats.org/drawingml/2006/main" xmlns:r="http://schemas.openxmlformats.org/officeDocument/2006/relationships" xmlns:p="http://schemas.openxmlformats.org/presentationml/2006/main">
   <p:cSld>
